--- a/SRIRANJITHKUMAR_CAPSTONE_PROJECT_PPT.pptx
+++ b/SRIRANJITHKUMAR_CAPSTONE_PROJECT_PPT.pptx
@@ -5803,7 +5803,7 @@
           <a:p>
             <a:fld id="{2335516A-E23C-4E55-A076-DEDE463C65E5}" type="datetimeFigureOut">
               <a:rPr lang="en-IN" smtClean="0"/>
-              <a:t>24-02-2025</a:t>
+              <a:t>02-03-2025</a:t>
             </a:fld>
             <a:endParaRPr lang="en-IN"/>
           </a:p>
@@ -5993,7 +5993,7 @@
           <a:p>
             <a:fld id="{2335516A-E23C-4E55-A076-DEDE463C65E5}" type="datetimeFigureOut">
               <a:rPr lang="en-IN" smtClean="0"/>
-              <a:t>24-02-2025</a:t>
+              <a:t>02-03-2025</a:t>
             </a:fld>
             <a:endParaRPr lang="en-IN"/>
           </a:p>
@@ -6173,7 +6173,7 @@
           <a:p>
             <a:fld id="{2335516A-E23C-4E55-A076-DEDE463C65E5}" type="datetimeFigureOut">
               <a:rPr lang="en-IN" smtClean="0"/>
-              <a:t>24-02-2025</a:t>
+              <a:t>02-03-2025</a:t>
             </a:fld>
             <a:endParaRPr lang="en-IN"/>
           </a:p>
@@ -6343,7 +6343,7 @@
           <a:p>
             <a:fld id="{2335516A-E23C-4E55-A076-DEDE463C65E5}" type="datetimeFigureOut">
               <a:rPr lang="en-IN" smtClean="0"/>
-              <a:t>24-02-2025</a:t>
+              <a:t>02-03-2025</a:t>
             </a:fld>
             <a:endParaRPr lang="en-IN"/>
           </a:p>
@@ -6599,7 +6599,7 @@
           <a:p>
             <a:fld id="{2335516A-E23C-4E55-A076-DEDE463C65E5}" type="datetimeFigureOut">
               <a:rPr lang="en-IN" smtClean="0"/>
-              <a:t>24-02-2025</a:t>
+              <a:t>02-03-2025</a:t>
             </a:fld>
             <a:endParaRPr lang="en-IN"/>
           </a:p>
@@ -6887,7 +6887,7 @@
           <a:p>
             <a:fld id="{2335516A-E23C-4E55-A076-DEDE463C65E5}" type="datetimeFigureOut">
               <a:rPr lang="en-IN" smtClean="0"/>
-              <a:t>24-02-2025</a:t>
+              <a:t>02-03-2025</a:t>
             </a:fld>
             <a:endParaRPr lang="en-IN"/>
           </a:p>
@@ -7325,7 +7325,7 @@
           <a:p>
             <a:fld id="{2335516A-E23C-4E55-A076-DEDE463C65E5}" type="datetimeFigureOut">
               <a:rPr lang="en-IN" smtClean="0"/>
-              <a:t>24-02-2025</a:t>
+              <a:t>02-03-2025</a:t>
             </a:fld>
             <a:endParaRPr lang="en-IN"/>
           </a:p>
@@ -7443,7 +7443,7 @@
           <a:p>
             <a:fld id="{2335516A-E23C-4E55-A076-DEDE463C65E5}" type="datetimeFigureOut">
               <a:rPr lang="en-IN" smtClean="0"/>
-              <a:t>24-02-2025</a:t>
+              <a:t>02-03-2025</a:t>
             </a:fld>
             <a:endParaRPr lang="en-IN"/>
           </a:p>
@@ -7538,7 +7538,7 @@
           <a:p>
             <a:fld id="{2335516A-E23C-4E55-A076-DEDE463C65E5}" type="datetimeFigureOut">
               <a:rPr lang="en-IN" smtClean="0"/>
-              <a:t>24-02-2025</a:t>
+              <a:t>02-03-2025</a:t>
             </a:fld>
             <a:endParaRPr lang="en-IN"/>
           </a:p>
@@ -7894,7 +7894,7 @@
           <a:p>
             <a:fld id="{2335516A-E23C-4E55-A076-DEDE463C65E5}" type="datetimeFigureOut">
               <a:rPr lang="en-IN" smtClean="0"/>
-              <a:t>24-02-2025</a:t>
+              <a:t>02-03-2025</a:t>
             </a:fld>
             <a:endParaRPr lang="en-IN"/>
           </a:p>
@@ -8210,7 +8210,7 @@
           <a:p>
             <a:fld id="{2335516A-E23C-4E55-A076-DEDE463C65E5}" type="datetimeFigureOut">
               <a:rPr lang="en-IN" smtClean="0"/>
-              <a:t>24-02-2025</a:t>
+              <a:t>02-03-2025</a:t>
             </a:fld>
             <a:endParaRPr lang="en-IN"/>
           </a:p>
@@ -8443,7 +8443,7 @@
           <a:p>
             <a:fld id="{2335516A-E23C-4E55-A076-DEDE463C65E5}" type="datetimeFigureOut">
               <a:rPr lang="en-IN" smtClean="0"/>
-              <a:t>24-02-2025</a:t>
+              <a:t>02-03-2025</a:t>
             </a:fld>
             <a:endParaRPr lang="en-IN"/>
           </a:p>
@@ -8913,7 +8913,7 @@
                 <a:latin typeface="Times New Roman" panose="02020603050405020304" pitchFamily="18" charset="0"/>
                 <a:cs typeface="Times New Roman" panose="02020603050405020304" pitchFamily="18" charset="0"/>
               </a:rPr>
-              <a:t>CAPSTONE</a:t>
+              <a:t>CAPSTONE FOOTBALL</a:t>
             </a:r>
             <a:r>
               <a:rPr lang="en-IN" b="1" i="1" dirty="0">
